--- a/Graduation Requirement.pptx
+++ b/Graduation Requirement.pptx
@@ -274,7 +274,7 @@
           <a:p>
             <a:fld id="{A1B18C7E-39CE-48BC-B01A-4F93157E90A9}" type="datetimeFigureOut">
               <a:rPr lang="en-US" smtClean="0"/>
-              <a:t>9/13/2020</a:t>
+              <a:t>9/14/2020</a:t>
             </a:fld>
             <a:endParaRPr lang="en-US"/>
           </a:p>
@@ -484,7 +484,7 @@
           <a:p>
             <a:fld id="{A1B18C7E-39CE-48BC-B01A-4F93157E90A9}" type="datetimeFigureOut">
               <a:rPr lang="en-US" smtClean="0"/>
-              <a:t>9/13/2020</a:t>
+              <a:t>9/14/2020</a:t>
             </a:fld>
             <a:endParaRPr lang="en-US"/>
           </a:p>
@@ -704,7 +704,7 @@
           <a:p>
             <a:fld id="{A1B18C7E-39CE-48BC-B01A-4F93157E90A9}" type="datetimeFigureOut">
               <a:rPr lang="en-US" smtClean="0"/>
-              <a:t>9/13/2020</a:t>
+              <a:t>9/14/2020</a:t>
             </a:fld>
             <a:endParaRPr lang="en-US"/>
           </a:p>
@@ -914,7 +914,7 @@
           <a:p>
             <a:fld id="{A1B18C7E-39CE-48BC-B01A-4F93157E90A9}" type="datetimeFigureOut">
               <a:rPr lang="en-US" smtClean="0"/>
-              <a:t>9/13/2020</a:t>
+              <a:t>9/14/2020</a:t>
             </a:fld>
             <a:endParaRPr lang="en-US"/>
           </a:p>
@@ -1201,7 +1201,7 @@
           <a:p>
             <a:fld id="{A1B18C7E-39CE-48BC-B01A-4F93157E90A9}" type="datetimeFigureOut">
               <a:rPr lang="en-US" smtClean="0"/>
-              <a:t>9/13/2020</a:t>
+              <a:t>9/14/2020</a:t>
             </a:fld>
             <a:endParaRPr lang="en-US"/>
           </a:p>
@@ -1478,7 +1478,7 @@
           <a:p>
             <a:fld id="{A1B18C7E-39CE-48BC-B01A-4F93157E90A9}" type="datetimeFigureOut">
               <a:rPr lang="en-US" smtClean="0"/>
-              <a:t>9/13/2020</a:t>
+              <a:t>9/14/2020</a:t>
             </a:fld>
             <a:endParaRPr lang="en-US"/>
           </a:p>
@@ -1902,7 +1902,7 @@
           <a:p>
             <a:fld id="{A1B18C7E-39CE-48BC-B01A-4F93157E90A9}" type="datetimeFigureOut">
               <a:rPr lang="en-US" smtClean="0"/>
-              <a:t>9/13/2020</a:t>
+              <a:t>9/14/2020</a:t>
             </a:fld>
             <a:endParaRPr lang="en-US"/>
           </a:p>
@@ -2055,7 +2055,7 @@
           <a:p>
             <a:fld id="{A1B18C7E-39CE-48BC-B01A-4F93157E90A9}" type="datetimeFigureOut">
               <a:rPr lang="en-US" smtClean="0"/>
-              <a:t>9/13/2020</a:t>
+              <a:t>9/14/2020</a:t>
             </a:fld>
             <a:endParaRPr lang="en-US"/>
           </a:p>
@@ -2180,7 +2180,7 @@
           <a:p>
             <a:fld id="{A1B18C7E-39CE-48BC-B01A-4F93157E90A9}" type="datetimeFigureOut">
               <a:rPr lang="en-US" smtClean="0"/>
-              <a:t>9/13/2020</a:t>
+              <a:t>9/14/2020</a:t>
             </a:fld>
             <a:endParaRPr lang="en-US"/>
           </a:p>
@@ -2503,7 +2503,7 @@
           <a:p>
             <a:fld id="{A1B18C7E-39CE-48BC-B01A-4F93157E90A9}" type="datetimeFigureOut">
               <a:rPr lang="en-US" smtClean="0"/>
-              <a:t>9/13/2020</a:t>
+              <a:t>9/14/2020</a:t>
             </a:fld>
             <a:endParaRPr lang="en-US"/>
           </a:p>
@@ -2803,7 +2803,7 @@
           <a:p>
             <a:fld id="{A1B18C7E-39CE-48BC-B01A-4F93157E90A9}" type="datetimeFigureOut">
               <a:rPr lang="en-US" smtClean="0"/>
-              <a:t>9/13/2020</a:t>
+              <a:t>9/14/2020</a:t>
             </a:fld>
             <a:endParaRPr lang="en-US"/>
           </a:p>
@@ -3065,7 +3065,7 @@
           <a:p>
             <a:fld id="{A1B18C7E-39CE-48BC-B01A-4F93157E90A9}" type="datetimeFigureOut">
               <a:rPr lang="en-US" smtClean="0"/>
-              <a:t>9/13/2020</a:t>
+              <a:t>9/14/2020</a:t>
             </a:fld>
             <a:endParaRPr lang="en-US"/>
           </a:p>
@@ -3624,6 +3624,20 @@
 <file path=ppt/slides/slide10.xml><?xml version="1.0" encoding="utf-8"?>
 <p:sld xmlns:a="http://schemas.openxmlformats.org/drawingml/2006/main" xmlns:r="http://schemas.openxmlformats.org/officeDocument/2006/relationships" xmlns:p="http://schemas.openxmlformats.org/presentationml/2006/main">
   <p:cSld>
+    <p:bg>
+      <p:bgPr>
+        <a:blipFill dpi="0" rotWithShape="1">
+          <a:blip r:embed="rId2">
+            <a:lum/>
+          </a:blip>
+          <a:srcRect/>
+          <a:stretch>
+            <a:fillRect t="-2000" b="-2000"/>
+          </a:stretch>
+        </a:blipFill>
+        <a:effectLst/>
+      </p:bgPr>
+    </p:bg>
     <p:spTree>
       <p:nvGrpSpPr>
         <p:cNvPr id="1" name=""/>
@@ -3705,48 +3719,80 @@
           <a:lstStyle/>
           <a:p>
             <a:r>
-              <a:rPr lang="en-US" dirty="0"/>
+              <a:rPr lang="en-US" dirty="0">
+                <a:solidFill>
+                  <a:schemeClr val="bg1"/>
+                </a:solidFill>
+              </a:rPr>
               <a:t>Our completed project will have great potential within Metro State.</a:t>
             </a:r>
           </a:p>
           <a:p>
             <a:r>
-              <a:rPr lang="en-US" dirty="0"/>
+              <a:rPr lang="en-US" dirty="0">
+                <a:solidFill>
+                  <a:schemeClr val="bg1"/>
+                </a:solidFill>
+              </a:rPr>
               <a:t>We envision that students will find the solution to be intuitive and easy to use.</a:t>
             </a:r>
           </a:p>
           <a:p>
             <a:r>
-              <a:rPr lang="en-US" dirty="0"/>
+              <a:rPr lang="en-US" dirty="0">
+                <a:solidFill>
+                  <a:schemeClr val="bg1"/>
+                </a:solidFill>
+              </a:rPr>
               <a:t>The system will negate the need for countless appointments with advisors and will provide a peace of mind.</a:t>
             </a:r>
           </a:p>
           <a:p>
             <a:r>
-              <a:rPr lang="en-US" dirty="0"/>
+              <a:rPr lang="en-US" dirty="0">
+                <a:solidFill>
+                  <a:schemeClr val="bg1"/>
+                </a:solidFill>
+              </a:rPr>
               <a:t>Advisors will also benefit greatly.</a:t>
             </a:r>
           </a:p>
           <a:p>
             <a:r>
-              <a:rPr lang="en-US" dirty="0"/>
+              <a:rPr lang="en-US" dirty="0">
+                <a:solidFill>
+                  <a:schemeClr val="bg1"/>
+                </a:solidFill>
+              </a:rPr>
               <a:t>Informed students will free up advisors'’ time and allow them to perform other essential duties and manage their caseloads more efficiently.</a:t>
             </a:r>
           </a:p>
           <a:p>
             <a:r>
-              <a:rPr lang="en-US" dirty="0"/>
+              <a:rPr lang="en-US" dirty="0">
+                <a:solidFill>
+                  <a:schemeClr val="bg1"/>
+                </a:solidFill>
+              </a:rPr>
               <a:t>This application will improve students experience and advisors efficiency thus it will be coveted throughout the industry.</a:t>
             </a:r>
           </a:p>
           <a:p>
             <a:r>
-              <a:rPr lang="en-US" dirty="0"/>
+              <a:rPr lang="en-US" dirty="0">
+                <a:solidFill>
+                  <a:schemeClr val="bg1"/>
+                </a:solidFill>
+              </a:rPr>
               <a:t>This factor greatly mitigates the lengthy break-even period previously discussed.</a:t>
             </a:r>
           </a:p>
           <a:p>
-            <a:endParaRPr lang="en-US" dirty="0"/>
+            <a:endParaRPr lang="en-US" dirty="0">
+              <a:solidFill>
+                <a:schemeClr val="bg1"/>
+              </a:solidFill>
+            </a:endParaRPr>
           </a:p>
         </p:txBody>
       </p:sp>
@@ -3780,15 +3826,11 @@
   <p:cSld>
     <p:bg>
       <p:bgPr>
-        <a:blipFill dpi="0" rotWithShape="1">
-          <a:blip r:embed="rId2">
-            <a:lum/>
-          </a:blip>
-          <a:srcRect/>
-          <a:stretch>
-            <a:fillRect l="-22000" r="-22000"/>
-          </a:stretch>
-        </a:blipFill>
+        <a:solidFill>
+          <a:schemeClr val="accent1">
+            <a:lumMod val="50000"/>
+          </a:schemeClr>
+        </a:solidFill>
         <a:effectLst/>
       </p:bgPr>
     </p:bg>
@@ -4482,6 +4524,16 @@
 <file path=ppt/slides/slide12.xml><?xml version="1.0" encoding="utf-8"?>
 <p:sld xmlns:a="http://schemas.openxmlformats.org/drawingml/2006/main" xmlns:r="http://schemas.openxmlformats.org/officeDocument/2006/relationships" xmlns:p="http://schemas.openxmlformats.org/presentationml/2006/main">
   <p:cSld>
+    <p:bg>
+      <p:bgPr>
+        <a:solidFill>
+          <a:schemeClr val="accent1">
+            <a:lumMod val="50000"/>
+          </a:schemeClr>
+        </a:solidFill>
+        <a:effectLst/>
+      </p:bgPr>
+    </p:bg>
     <p:spTree>
       <p:nvGrpSpPr>
         <p:cNvPr id="1" name=""/>
@@ -4528,13 +4580,17 @@
               <a:buNone/>
             </a:pPr>
             <a:r>
-              <a:rPr lang="en-US" dirty="0"/>
+              <a:rPr lang="en-US" dirty="0">
+                <a:solidFill>
+                  <a:schemeClr val="bg1"/>
+                </a:solidFill>
+              </a:rPr>
               <a:t>		</a:t>
             </a:r>
             <a:r>
               <a:rPr lang="en-US" sz="4000" dirty="0">
                 <a:solidFill>
-                  <a:srgbClr val="FFC000"/>
+                  <a:schemeClr val="accent4"/>
                 </a:solidFill>
               </a:rPr>
               <a:t>Student</a:t>
@@ -4545,7 +4601,11 @@
               <a:buNone/>
             </a:pPr>
             <a:r>
-              <a:rPr lang="en-US" dirty="0"/>
+              <a:rPr lang="en-US" dirty="0">
+                <a:solidFill>
+                  <a:schemeClr val="bg1"/>
+                </a:solidFill>
+              </a:rPr>
               <a:t>The student will be the primary actor in our system. </a:t>
             </a:r>
           </a:p>
@@ -4554,7 +4614,11 @@
               <a:buNone/>
             </a:pPr>
             <a:r>
-              <a:rPr lang="en-US" dirty="0"/>
+              <a:rPr lang="en-US" dirty="0">
+                <a:solidFill>
+                  <a:schemeClr val="bg1"/>
+                </a:solidFill>
+              </a:rPr>
               <a:t>The student will have to be able to login to access the interface of the program. Upon gaining access to the interface, the student will need access to several program features. </a:t>
             </a:r>
           </a:p>
@@ -4563,15 +4627,27 @@
               <a:buNone/>
             </a:pPr>
             <a:r>
-              <a:rPr lang="en-US" dirty="0"/>
+              <a:rPr lang="en-US" dirty="0">
+                <a:solidFill>
+                  <a:schemeClr val="bg1"/>
+                </a:solidFill>
+              </a:rPr>
               <a:t>These features include the ability to select a major course of study, upload a transcript or </a:t>
             </a:r>
             <a:r>
-              <a:rPr lang="en-US" dirty="0" err="1"/>
+              <a:rPr lang="en-US" dirty="0" err="1">
+                <a:solidFill>
+                  <a:schemeClr val="bg1"/>
+                </a:solidFill>
+              </a:rPr>
               <a:t>Dars</a:t>
             </a:r>
             <a:r>
-              <a:rPr lang="en-US" dirty="0"/>
+              <a:rPr lang="en-US" dirty="0">
+                <a:solidFill>
+                  <a:schemeClr val="bg1"/>
+                </a:solidFill>
+              </a:rPr>
               <a:t> Report, run the program, and access the results. Additionally, the student will need to view, download, or print the results. </a:t>
             </a:r>
           </a:p>
@@ -4579,7 +4655,11 @@
             <a:pPr marL="0" indent="0">
               <a:buNone/>
             </a:pPr>
-            <a:endParaRPr lang="en-US" dirty="0"/>
+            <a:endParaRPr lang="en-US" dirty="0">
+              <a:solidFill>
+                <a:schemeClr val="bg1"/>
+              </a:solidFill>
+            </a:endParaRPr>
           </a:p>
         </p:txBody>
       </p:sp>
@@ -4615,13 +4695,17 @@
               <a:buNone/>
             </a:pPr>
             <a:r>
-              <a:rPr lang="en-US" dirty="0"/>
+              <a:rPr lang="en-US" dirty="0">
+                <a:solidFill>
+                  <a:schemeClr val="bg1"/>
+                </a:solidFill>
+              </a:rPr>
               <a:t>	</a:t>
             </a:r>
             <a:r>
               <a:rPr lang="en-US" sz="4000" dirty="0">
                 <a:solidFill>
-                  <a:srgbClr val="FFC000"/>
+                  <a:schemeClr val="accent4"/>
                 </a:solidFill>
               </a:rPr>
               <a:t>Administrator</a:t>
@@ -4632,7 +4716,11 @@
               <a:buNone/>
             </a:pPr>
             <a:r>
-              <a:rPr lang="en-US" dirty="0"/>
+              <a:rPr lang="en-US" dirty="0">
+                <a:solidFill>
+                  <a:schemeClr val="bg1"/>
+                </a:solidFill>
+              </a:rPr>
               <a:t>There will be a system administrator that needs to interact with the system. </a:t>
             </a:r>
           </a:p>
@@ -4641,7 +4729,11 @@
               <a:buNone/>
             </a:pPr>
             <a:r>
-              <a:rPr lang="en-US" dirty="0"/>
+              <a:rPr lang="en-US" dirty="0">
+                <a:solidFill>
+                  <a:schemeClr val="bg1"/>
+                </a:solidFill>
+              </a:rPr>
               <a:t>The administrator will need to be able to login to access the administrative features of the program. </a:t>
             </a:r>
           </a:p>
@@ -4650,7 +4742,11 @@
               <a:buNone/>
             </a:pPr>
             <a:r>
-              <a:rPr lang="en-US" dirty="0"/>
+              <a:rPr lang="en-US" dirty="0">
+                <a:solidFill>
+                  <a:schemeClr val="bg1"/>
+                </a:solidFill>
+              </a:rPr>
               <a:t>Upon gaining access to the administrator interface, the instructor will need the ability to configure and maintain program majors and requirements.</a:t>
             </a:r>
           </a:p>
@@ -4658,7 +4754,11 @@
             <a:pPr marL="0" indent="0">
               <a:buNone/>
             </a:pPr>
-            <a:endParaRPr lang="en-US" dirty="0"/>
+            <a:endParaRPr lang="en-US" dirty="0">
+              <a:solidFill>
+                <a:schemeClr val="bg1"/>
+              </a:solidFill>
+            </a:endParaRPr>
           </a:p>
         </p:txBody>
       </p:sp>
@@ -4692,15 +4792,11 @@
   <p:cSld>
     <p:bg>
       <p:bgPr>
-        <a:blipFill dpi="0" rotWithShape="1">
-          <a:blip r:embed="rId2">
-            <a:lum/>
-          </a:blip>
-          <a:srcRect/>
-          <a:stretch>
-            <a:fillRect l="-22000" r="-22000"/>
-          </a:stretch>
-        </a:blipFill>
+        <a:solidFill>
+          <a:schemeClr val="accent1">
+            <a:lumMod val="50000"/>
+          </a:schemeClr>
+        </a:solidFill>
         <a:effectLst/>
       </p:bgPr>
     </p:bg>
@@ -4731,7 +4827,7 @@
           <p:nvPr/>
         </p:nvPicPr>
         <p:blipFill>
-          <a:blip r:embed="rId3">
+          <a:blip r:embed="rId2">
             <a:extLst>
               <a:ext uri="{28A0092B-C50C-407E-A947-70E740481C1C}">
                 <a14:useLocalDpi xmlns:a14="http://schemas.microsoft.com/office/drawing/2010/main" val="0"/>
@@ -4781,6 +4877,16 @@
 <file path=ppt/slides/slide14.xml><?xml version="1.0" encoding="utf-8"?>
 <p:sld xmlns:a="http://schemas.openxmlformats.org/drawingml/2006/main" xmlns:r="http://schemas.openxmlformats.org/officeDocument/2006/relationships" xmlns:p="http://schemas.openxmlformats.org/presentationml/2006/main">
   <p:cSld>
+    <p:bg>
+      <p:bgPr>
+        <a:solidFill>
+          <a:schemeClr val="accent1">
+            <a:lumMod val="50000"/>
+          </a:schemeClr>
+        </a:solidFill>
+        <a:effectLst/>
+      </p:bgPr>
+    </p:bg>
     <p:spTree>
       <p:nvGrpSpPr>
         <p:cNvPr id="1" name=""/>
@@ -4862,48 +4968,80 @@
           <a:lstStyle/>
           <a:p>
             <a:r>
-              <a:rPr lang="en-US" dirty="0"/>
+              <a:rPr lang="en-US" dirty="0">
+                <a:solidFill>
+                  <a:schemeClr val="bg1"/>
+                </a:solidFill>
+              </a:rPr>
               <a:t>The average salary of a developer is around $60,000 a year.</a:t>
             </a:r>
           </a:p>
           <a:p>
             <a:r>
-              <a:rPr lang="en-US" dirty="0"/>
+              <a:rPr lang="en-US" dirty="0">
+                <a:solidFill>
+                  <a:schemeClr val="bg1"/>
+                </a:solidFill>
+              </a:rPr>
               <a:t>This is going to take about 200 hours so the cost would be around $5,800.</a:t>
             </a:r>
           </a:p>
           <a:p>
             <a:r>
-              <a:rPr lang="en-US" dirty="0"/>
+              <a:rPr lang="en-US" dirty="0">
+                <a:solidFill>
+                  <a:schemeClr val="bg1"/>
+                </a:solidFill>
+              </a:rPr>
               <a:t>You would probably need an analysist to test the quality of the product so another $5,800 and the total would be $11,600. </a:t>
             </a:r>
           </a:p>
           <a:p>
             <a:r>
-              <a:rPr lang="en-US" dirty="0"/>
+              <a:rPr lang="en-US" dirty="0">
+                <a:solidFill>
+                  <a:schemeClr val="bg1"/>
+                </a:solidFill>
+              </a:rPr>
               <a:t>This is a web product, and you could host it yourself however, there are other options.</a:t>
             </a:r>
           </a:p>
           <a:p>
             <a:r>
-              <a:rPr lang="en-US" dirty="0"/>
+              <a:rPr lang="en-US" dirty="0">
+                <a:solidFill>
+                  <a:schemeClr val="bg1"/>
+                </a:solidFill>
+              </a:rPr>
               <a:t>For example, a single instance of 100GB SSD storage, 4 core CPU, 16gb RAM from AWS is about $185 a month.</a:t>
             </a:r>
           </a:p>
           <a:p>
             <a:r>
-              <a:rPr lang="en-US" dirty="0"/>
+              <a:rPr lang="en-US" dirty="0">
+                <a:solidFill>
+                  <a:schemeClr val="bg1"/>
+                </a:solidFill>
+              </a:rPr>
               <a:t>The total cost to develop, test is between $11,600 and $17400 with a monthly cost of $185 to AWS for hosting.</a:t>
             </a:r>
           </a:p>
           <a:p>
             <a:r>
-              <a:rPr lang="en-US" dirty="0"/>
+              <a:rPr lang="en-US" dirty="0">
+                <a:solidFill>
+                  <a:schemeClr val="bg1"/>
+                </a:solidFill>
+              </a:rPr>
               <a:t>Theses estimates are based on current market costs.</a:t>
             </a:r>
           </a:p>
           <a:p>
-            <a:endParaRPr lang="en-US" dirty="0"/>
+            <a:endParaRPr lang="en-US" dirty="0">
+              <a:solidFill>
+                <a:schemeClr val="bg1"/>
+              </a:solidFill>
+            </a:endParaRPr>
           </a:p>
         </p:txBody>
       </p:sp>
@@ -4935,6 +5073,16 @@
 <file path=ppt/slides/slide15.xml><?xml version="1.0" encoding="utf-8"?>
 <p:sld xmlns:a="http://schemas.openxmlformats.org/drawingml/2006/main" xmlns:r="http://schemas.openxmlformats.org/officeDocument/2006/relationships" xmlns:p="http://schemas.openxmlformats.org/presentationml/2006/main">
   <p:cSld>
+    <p:bg>
+      <p:bgPr>
+        <a:solidFill>
+          <a:schemeClr val="accent1">
+            <a:lumMod val="50000"/>
+          </a:schemeClr>
+        </a:solidFill>
+        <a:effectLst/>
+      </p:bgPr>
+    </p:bg>
     <p:spTree>
       <p:nvGrpSpPr>
         <p:cNvPr id="1" name=""/>
@@ -5014,25 +5162,41 @@
               <a:buNone/>
             </a:pPr>
             <a:r>
-              <a:rPr lang="en-US" dirty="0"/>
-              <a:t>FOR DEVELOPMENT</a:t>
-            </a:r>
-          </a:p>
-          <a:p>
-            <a:r>
-              <a:rPr lang="en-US" dirty="0"/>
+              <a:rPr lang="en-US" dirty="0">
+                <a:solidFill>
+                  <a:schemeClr val="accent4"/>
+                </a:solidFill>
+              </a:rPr>
+              <a:t>For development</a:t>
+            </a:r>
+          </a:p>
+          <a:p>
+            <a:r>
+              <a:rPr lang="en-US" dirty="0">
+                <a:solidFill>
+                  <a:schemeClr val="bg1"/>
+                </a:solidFill>
+              </a:rPr>
               <a:t>Realistically web development can be done with nearly any device with a text editor, so this greatly reduces the need for any high spec device or development software.</a:t>
             </a:r>
           </a:p>
           <a:p>
             <a:r>
-              <a:rPr lang="en-US" dirty="0"/>
+              <a:rPr lang="en-US" dirty="0">
+                <a:solidFill>
+                  <a:schemeClr val="bg1"/>
+                </a:solidFill>
+              </a:rPr>
               <a:t> There is also a need for a database manager. We use MySQL as a database so the system would need to be able to use that.</a:t>
             </a:r>
           </a:p>
           <a:p>
             <a:r>
-              <a:rPr lang="en-US" dirty="0"/>
+              <a:rPr lang="en-US" dirty="0">
+                <a:solidFill>
+                  <a:schemeClr val="bg1"/>
+                </a:solidFill>
+              </a:rPr>
               <a:t> The requirements are rather low, so an i3, 4gb of ram and 128gb hard drive (preferably an SSD) are the minimum requirements. You would also need to install the MySQL software.</a:t>
             </a:r>
           </a:p>
@@ -5040,7 +5204,11 @@
             <a:pPr marL="0" indent="0">
               <a:buNone/>
             </a:pPr>
-            <a:endParaRPr lang="en-US" dirty="0"/>
+            <a:endParaRPr lang="en-US" dirty="0">
+              <a:solidFill>
+                <a:schemeClr val="bg1"/>
+              </a:solidFill>
+            </a:endParaRPr>
           </a:p>
         </p:txBody>
       </p:sp>
@@ -5076,19 +5244,31 @@
               <a:buNone/>
             </a:pPr>
             <a:r>
-              <a:rPr lang="en-US" dirty="0"/>
-              <a:t>FOR USERS</a:t>
-            </a:r>
-          </a:p>
-          <a:p>
-            <a:r>
-              <a:rPr lang="en-US" dirty="0"/>
+              <a:rPr lang="en-US" dirty="0">
+                <a:solidFill>
+                  <a:schemeClr val="accent4"/>
+                </a:solidFill>
+              </a:rPr>
+              <a:t>For users</a:t>
+            </a:r>
+          </a:p>
+          <a:p>
+            <a:r>
+              <a:rPr lang="en-US" dirty="0">
+                <a:solidFill>
+                  <a:schemeClr val="bg1"/>
+                </a:solidFill>
+              </a:rPr>
               <a:t>This would be a website with the only need being a modern browser to facilitate access to most websites. </a:t>
             </a:r>
           </a:p>
           <a:p>
             <a:r>
-              <a:rPr lang="en-US" dirty="0"/>
+              <a:rPr lang="en-US" dirty="0">
+                <a:solidFill>
+                  <a:schemeClr val="bg1"/>
+                </a:solidFill>
+              </a:rPr>
               <a:t>The website would be accessible by mobile devices, but the best experience would be from a computer.</a:t>
             </a:r>
           </a:p>
@@ -5182,6 +5362,28 @@
           <a:p>
             <a:pPr algn="ctr"/>
             <a:r>
+              <a:rPr lang="en-US" sz="9600" b="1" dirty="0">
+                <a:ln w="13462">
+                  <a:solidFill>
+                    <a:schemeClr val="bg1"/>
+                  </a:solidFill>
+                  <a:prstDash val="solid"/>
+                </a:ln>
+                <a:solidFill>
+                  <a:schemeClr val="tx1">
+                    <a:lumMod val="85000"/>
+                    <a:lumOff val="15000"/>
+                  </a:schemeClr>
+                </a:solidFill>
+                <a:effectLst>
+                  <a:outerShdw dist="38100" dir="2700000" algn="bl" rotWithShape="0">
+                    <a:schemeClr val="accent5"/>
+                  </a:outerShdw>
+                </a:effectLst>
+              </a:rPr>
+              <a:t>Questions</a:t>
+            </a:r>
+            <a:r>
               <a:rPr lang="en-US" sz="9600" b="1" cap="none" spc="0" dirty="0">
                 <a:ln w="13462">
                   <a:solidFill>
@@ -5201,7 +5403,7 @@
                   </a:outerShdw>
                 </a:effectLst>
               </a:rPr>
-              <a:t>QUESTION?</a:t>
+              <a:t>?</a:t>
             </a:r>
             <a:endParaRPr lang="en-US" sz="5400" b="1" cap="none" spc="0" dirty="0">
               <a:ln w="13462">
@@ -5766,6 +5968,20 @@
 <file path=ppt/slides/slide5.xml><?xml version="1.0" encoding="utf-8"?>
 <p:sld xmlns:a="http://schemas.openxmlformats.org/drawingml/2006/main" xmlns:r="http://schemas.openxmlformats.org/officeDocument/2006/relationships" xmlns:p="http://schemas.openxmlformats.org/presentationml/2006/main">
   <p:cSld>
+    <p:bg>
+      <p:bgPr>
+        <a:blipFill dpi="0" rotWithShape="1">
+          <a:blip r:embed="rId2">
+            <a:lum/>
+          </a:blip>
+          <a:srcRect/>
+          <a:stretch>
+            <a:fillRect l="-25000" r="-25000"/>
+          </a:stretch>
+        </a:blipFill>
+        <a:effectLst/>
+      </p:bgPr>
+    </p:bg>
     <p:spTree>
       <p:nvGrpSpPr>
         <p:cNvPr id="1" name=""/>
@@ -5848,14 +6064,22 @@
           <a:p>
             <a:pPr algn="l"/>
             <a:r>
-              <a:rPr lang="en-US" sz="2800" dirty="0"/>
+              <a:rPr lang="en-US" sz="2800" dirty="0">
+                <a:solidFill>
+                  <a:schemeClr val="bg1"/>
+                </a:solidFill>
+              </a:rPr>
               <a:t>Our software is design to serve Metropolitan State University students. It will cover a variety of areas within the school. There will also be an exploration project to assess the potential market value of this program.</a:t>
             </a:r>
           </a:p>
           <a:p>
             <a:pPr algn="l"/>
             <a:r>
-              <a:rPr lang="en-US" sz="2800" dirty="0"/>
+              <a:rPr lang="en-US" sz="2800" dirty="0">
+                <a:solidFill>
+                  <a:schemeClr val="bg1"/>
+                </a:solidFill>
+              </a:rPr>
               <a:t>The areas of feasibility are:</a:t>
             </a:r>
           </a:p>
@@ -5865,7 +6089,11 @@
               <a:buChar char="•"/>
             </a:pPr>
             <a:r>
-              <a:rPr lang="en-US" sz="2800" dirty="0"/>
+              <a:rPr lang="en-US" sz="2800" dirty="0">
+                <a:solidFill>
+                  <a:schemeClr val="bg1"/>
+                </a:solidFill>
+              </a:rPr>
               <a:t>Technical</a:t>
             </a:r>
           </a:p>
@@ -5875,7 +6103,11 @@
               <a:buChar char="•"/>
             </a:pPr>
             <a:r>
-              <a:rPr lang="en-US" sz="2800" dirty="0"/>
+              <a:rPr lang="en-US" sz="2800" dirty="0">
+                <a:solidFill>
+                  <a:schemeClr val="bg1"/>
+                </a:solidFill>
+              </a:rPr>
               <a:t>Financial</a:t>
             </a:r>
           </a:p>
@@ -5885,7 +6117,11 @@
               <a:buChar char="•"/>
             </a:pPr>
             <a:r>
-              <a:rPr lang="en-US" sz="2800" dirty="0"/>
+              <a:rPr lang="en-US" sz="2800" dirty="0">
+                <a:solidFill>
+                  <a:schemeClr val="bg1"/>
+                </a:solidFill>
+              </a:rPr>
               <a:t>Economical</a:t>
             </a:r>
           </a:p>
@@ -5895,7 +6131,11 @@
               <a:buChar char="•"/>
             </a:pPr>
             <a:r>
-              <a:rPr lang="en-US" sz="2800" dirty="0"/>
+              <a:rPr lang="en-US" sz="2800" dirty="0">
+                <a:solidFill>
+                  <a:schemeClr val="bg1"/>
+                </a:solidFill>
+              </a:rPr>
               <a:t>Political</a:t>
             </a:r>
           </a:p>
@@ -5933,6 +6173,20 @@
 <file path=ppt/slides/slide6.xml><?xml version="1.0" encoding="utf-8"?>
 <p:sld xmlns:a="http://schemas.openxmlformats.org/drawingml/2006/main" xmlns:r="http://schemas.openxmlformats.org/officeDocument/2006/relationships" xmlns:p="http://schemas.openxmlformats.org/presentationml/2006/main">
   <p:cSld>
+    <p:bg>
+      <p:bgPr>
+        <a:blipFill dpi="0" rotWithShape="1">
+          <a:blip r:embed="rId2">
+            <a:lum/>
+          </a:blip>
+          <a:srcRect/>
+          <a:stretch>
+            <a:fillRect l="-25000" r="-25000"/>
+          </a:stretch>
+        </a:blipFill>
+        <a:effectLst/>
+      </p:bgPr>
+    </p:bg>
     <p:spTree>
       <p:nvGrpSpPr>
         <p:cNvPr id="1" name=""/>
@@ -6012,31 +6266,51 @@
           <a:lstStyle/>
           <a:p>
             <a:r>
-              <a:rPr lang="en-US" dirty="0"/>
+              <a:rPr lang="en-US" dirty="0">
+                <a:solidFill>
+                  <a:schemeClr val="bg1"/>
+                </a:solidFill>
+              </a:rPr>
               <a:t>The technical feasibility of this project was  carefully assessed from two separate point of view.</a:t>
             </a:r>
           </a:p>
           <a:p>
             <a:r>
-              <a:rPr lang="en-US" dirty="0"/>
+              <a:rPr lang="en-US" dirty="0">
+                <a:solidFill>
+                  <a:schemeClr val="bg1"/>
+                </a:solidFill>
+              </a:rPr>
               <a:t>The first part was project development and infrastructure. We learned that there are freeware available for us to use and in some cases, we will use low-cost subscription SaaS products.</a:t>
             </a:r>
           </a:p>
           <a:p>
             <a:r>
-              <a:rPr lang="en-US" dirty="0"/>
+              <a:rPr lang="en-US" dirty="0">
+                <a:solidFill>
+                  <a:schemeClr val="bg1"/>
+                </a:solidFill>
+              </a:rPr>
               <a:t>The second viewpoint was the technological accessibility of all potential end users.</a:t>
             </a:r>
           </a:p>
           <a:p>
             <a:r>
-              <a:rPr lang="en-US" dirty="0"/>
+              <a:rPr lang="en-US" dirty="0">
+                <a:solidFill>
+                  <a:schemeClr val="bg1"/>
+                </a:solidFill>
+              </a:rPr>
               <a:t>We asses that all students at Metro State have access to a laptop or desktop computer either through the school or personally. </a:t>
             </a:r>
           </a:p>
           <a:p>
             <a:r>
-              <a:rPr lang="en-US" dirty="0"/>
+              <a:rPr lang="en-US" dirty="0">
+                <a:solidFill>
+                  <a:schemeClr val="bg1"/>
+                </a:solidFill>
+              </a:rPr>
               <a:t>Finally, there will be no additional hardware requirement to what is already available and there will be no cost associated with end users. </a:t>
             </a:r>
           </a:p>
@@ -6070,6 +6344,20 @@
 <file path=ppt/slides/slide7.xml><?xml version="1.0" encoding="utf-8"?>
 <p:sld xmlns:a="http://schemas.openxmlformats.org/drawingml/2006/main" xmlns:r="http://schemas.openxmlformats.org/officeDocument/2006/relationships" xmlns:p="http://schemas.openxmlformats.org/presentationml/2006/main">
   <p:cSld>
+    <p:bg>
+      <p:bgPr>
+        <a:blipFill dpi="0" rotWithShape="1">
+          <a:blip r:embed="rId2">
+            <a:lum/>
+          </a:blip>
+          <a:srcRect/>
+          <a:stretch>
+            <a:fillRect l="-25000" r="-25000"/>
+          </a:stretch>
+        </a:blipFill>
+        <a:effectLst/>
+      </p:bgPr>
+    </p:bg>
     <p:spTree>
       <p:nvGrpSpPr>
         <p:cNvPr id="1" name=""/>
@@ -6146,31 +6434,51 @@
           <a:lstStyle/>
           <a:p>
             <a:r>
-              <a:rPr lang="en-US" dirty="0"/>
+              <a:rPr lang="en-US" dirty="0">
+                <a:solidFill>
+                  <a:schemeClr val="bg1"/>
+                </a:solidFill>
+              </a:rPr>
               <a:t>Software development often come with a huge price tag because of technical and operational expenses.  </a:t>
             </a:r>
           </a:p>
           <a:p>
             <a:r>
-              <a:rPr lang="en-US" dirty="0"/>
+              <a:rPr lang="en-US" dirty="0">
+                <a:solidFill>
+                  <a:schemeClr val="bg1"/>
+                </a:solidFill>
+              </a:rPr>
               <a:t>We are going to eliminate these expenses because we already have the necessary hardware available.</a:t>
             </a:r>
           </a:p>
           <a:p>
             <a:r>
-              <a:rPr lang="en-US" dirty="0"/>
+              <a:rPr lang="en-US" dirty="0">
+                <a:solidFill>
+                  <a:schemeClr val="bg1"/>
+                </a:solidFill>
+              </a:rPr>
               <a:t>Operationally, our staff consists of three individuals working together to meet this goal. </a:t>
             </a:r>
           </a:p>
           <a:p>
             <a:r>
-              <a:rPr lang="en-US" dirty="0"/>
+              <a:rPr lang="en-US" dirty="0">
+                <a:solidFill>
+                  <a:schemeClr val="bg1"/>
+                </a:solidFill>
+              </a:rPr>
               <a:t>There is no movement from one place to the other which saves money and its convenient. </a:t>
             </a:r>
           </a:p>
           <a:p>
             <a:r>
-              <a:rPr lang="en-US" dirty="0"/>
+              <a:rPr lang="en-US" dirty="0">
+                <a:solidFill>
+                  <a:schemeClr val="bg1"/>
+                </a:solidFill>
+              </a:rPr>
               <a:t>We do expect there to be minimal expenses related to software which may come in the form of licensing or subscription fees pertaining to the hosting of our solution.</a:t>
             </a:r>
           </a:p>
@@ -6204,6 +6512,20 @@
 <file path=ppt/slides/slide8.xml><?xml version="1.0" encoding="utf-8"?>
 <p:sld xmlns:a="http://schemas.openxmlformats.org/drawingml/2006/main" xmlns:r="http://schemas.openxmlformats.org/officeDocument/2006/relationships" xmlns:p="http://schemas.openxmlformats.org/presentationml/2006/main">
   <p:cSld>
+    <p:bg>
+      <p:bgPr>
+        <a:blipFill dpi="0" rotWithShape="1">
+          <a:blip r:embed="rId2">
+            <a:lum/>
+          </a:blip>
+          <a:srcRect/>
+          <a:stretch>
+            <a:fillRect t="-2000" b="-2000"/>
+          </a:stretch>
+        </a:blipFill>
+        <a:effectLst/>
+      </p:bgPr>
+    </p:bg>
     <p:spTree>
       <p:nvGrpSpPr>
         <p:cNvPr id="1" name=""/>
@@ -6275,31 +6597,51 @@
           <a:lstStyle/>
           <a:p>
             <a:r>
-              <a:rPr lang="en-US" dirty="0"/>
+              <a:rPr lang="en-US" dirty="0">
+                <a:solidFill>
+                  <a:schemeClr val="bg1"/>
+                </a:solidFill>
+              </a:rPr>
               <a:t>The economic section explores the ability of the solution to break even or potentially become profitable in the future.</a:t>
             </a:r>
           </a:p>
           <a:p>
             <a:r>
-              <a:rPr lang="en-US" dirty="0"/>
+              <a:rPr lang="en-US" dirty="0">
+                <a:solidFill>
+                  <a:schemeClr val="bg1"/>
+                </a:solidFill>
+              </a:rPr>
               <a:t>We anticipate a considerable incubation period for this software to become widely used and appreciated.</a:t>
             </a:r>
           </a:p>
           <a:p>
             <a:r>
-              <a:rPr lang="en-US" dirty="0"/>
+              <a:rPr lang="en-US" dirty="0">
+                <a:solidFill>
+                  <a:schemeClr val="bg1"/>
+                </a:solidFill>
+              </a:rPr>
               <a:t>Graduation requirements are not always considered daily but rather towards the end of each semester. </a:t>
             </a:r>
           </a:p>
           <a:p>
             <a:r>
-              <a:rPr lang="en-US" dirty="0"/>
+              <a:rPr lang="en-US" dirty="0">
+                <a:solidFill>
+                  <a:schemeClr val="bg1"/>
+                </a:solidFill>
+              </a:rPr>
               <a:t>This factor contributes greatly to the lengthy time incubation.</a:t>
             </a:r>
           </a:p>
           <a:p>
             <a:r>
-              <a:rPr lang="en-US" dirty="0"/>
+              <a:rPr lang="en-US" dirty="0">
+                <a:solidFill>
+                  <a:schemeClr val="bg1"/>
+                </a:solidFill>
+              </a:rPr>
               <a:t>Further exploration will be done to determine a break-even period because our project needs several semesters to elapse and students and advisors use and appreciate this powerful tool.</a:t>
             </a:r>
           </a:p>
